--- a/projeto/PB4/React_AW1.pptx
+++ b/projeto/PB4/React_AW1.pptx
@@ -269,6 +269,7 @@
 <file path=ppt/revisionInfo.xml><?xml version="1.0" encoding="utf-8"?>
 <p1510:revInfo xmlns:a="http://schemas.openxmlformats.org/drawingml/2006/main" xmlns:r="http://schemas.openxmlformats.org/officeDocument/2006/relationships" xmlns:p1510="http://schemas.microsoft.com/office/powerpoint/2015/10/main">
   <p1510:revLst>
+    <p1510:client id="{081BEA0E-8E4D-C2B8-41B9-94EC58BA2A27}" v="4" dt="2021-11-23T13:48:55.398"/>
     <p1510:client id="{15A66A65-C2B0-EF20-4E1F-731306C8DB45}" v="12" dt="2021-11-23T01:30:32.451"/>
     <p1510:client id="{360A3A4E-F972-1A86-63F8-7EE47A4C83CB}" v="2" dt="2021-11-23T12:29:25.336"/>
     <p1510:client id="{3C4C6951-5FE4-437D-BCBC-E5170D70C37E}" v="455" dt="2021-11-23T12:49:05.088"/>
@@ -15696,8 +15697,8 @@
         </p:nvSpPr>
         <p:spPr>
           <a:xfrm flipH="1">
-            <a:off x="4714175" y="3585925"/>
-            <a:ext cx="2163900" cy="413100"/>
+            <a:off x="4654018" y="3585925"/>
+            <a:ext cx="2224057" cy="413100"/>
           </a:xfrm>
           <a:prstGeom prst="rect">
             <a:avLst/>
@@ -15711,12 +15712,8 @@
           <a:p>
             <a:pPr marL="0" indent="0"/>
             <a:r>
-              <a:rPr lang="en"/>
-              <a:t>Search Engine </a:t>
-            </a:r>
-            <a:r>
-              <a:rPr lang="en" err="1"/>
-              <a:t>Optimizaon</a:t>
+              <a:rPr lang="en" dirty="0"/>
+              <a:t>Search Engine Optimization</a:t>
             </a:r>
           </a:p>
         </p:txBody>
@@ -22395,21 +22392,6 @@
 </file>
 
 <file path=customXml/item1.xml><?xml version="1.0" encoding="utf-8"?>
-<p:properties xmlns:p="http://schemas.microsoft.com/office/2006/metadata/properties" xmlns:xsi="http://www.w3.org/2001/XMLSchema-instance" xmlns:pc="http://schemas.microsoft.com/office/infopath/2007/PartnerControls">
-  <documentManagement/>
-</p:properties>
-</file>
-
-<file path=customXml/item2.xml><?xml version="1.0" encoding="utf-8"?>
-<?mso-contentType ?>
-<FormTemplates xmlns="http://schemas.microsoft.com/sharepoint/v3/contenttype/forms">
-  <Display>DocumentLibraryForm</Display>
-  <Edit>DocumentLibraryForm</Edit>
-  <New>DocumentLibraryForm</New>
-</FormTemplates>
-</file>
-
-<file path=customXml/item3.xml><?xml version="1.0" encoding="utf-8"?>
 <ct:contentTypeSchema xmlns:ct="http://schemas.microsoft.com/office/2006/metadata/contentType" xmlns:ma="http://schemas.microsoft.com/office/2006/metadata/properties/metaAttributes" ct:_="" ma:_="" ma:contentTypeName="Documento" ma:contentTypeID="0x010100B332CAECD9CC9B4C9B5F6B941BE22E45" ma:contentTypeVersion="4" ma:contentTypeDescription="Crie um novo documento." ma:contentTypeScope="" ma:versionID="be6323ffdd82733a8d5bcfda0710258d">
   <xsd:schema xmlns:xsd="http://www.w3.org/2001/XMLSchema" xmlns:xs="http://www.w3.org/2001/XMLSchema" xmlns:p="http://schemas.microsoft.com/office/2006/metadata/properties" xmlns:ns3="7c66931a-0d7a-4b0a-8b4e-f7f54e1a4f91" targetNamespace="http://schemas.microsoft.com/office/2006/metadata/properties" ma:root="true" ma:fieldsID="7dfb0163c716265d0e326bdb96ceaf27" ns3:_="">
     <xsd:import namespace="7c66931a-0d7a-4b0a-8b4e-f7f54e1a4f91"/>
@@ -22555,7 +22537,40 @@
 </ct:contentTypeSchema>
 </file>
 
+<file path=customXml/item2.xml><?xml version="1.0" encoding="utf-8"?>
+<p:properties xmlns:p="http://schemas.microsoft.com/office/2006/metadata/properties" xmlns:xsi="http://www.w3.org/2001/XMLSchema-instance" xmlns:pc="http://schemas.microsoft.com/office/infopath/2007/PartnerControls">
+  <documentManagement/>
+</p:properties>
+</file>
+
+<file path=customXml/item3.xml><?xml version="1.0" encoding="utf-8"?>
+<?mso-contentType ?>
+<FormTemplates xmlns="http://schemas.microsoft.com/sharepoint/v3/contenttype/forms">
+  <Display>DocumentLibraryForm</Display>
+  <Edit>DocumentLibraryForm</Edit>
+  <New>DocumentLibraryForm</New>
+</FormTemplates>
+</file>
+
 <file path=customXml/itemProps1.xml><?xml version="1.0" encoding="utf-8"?>
+<ds:datastoreItem xmlns:ds="http://schemas.openxmlformats.org/officeDocument/2006/customXml" ds:itemID="{11EBF31D-B999-4C4A-8C09-C7BF2A439447}">
+  <ds:schemaRefs>
+    <ds:schemaRef ds:uri="7c66931a-0d7a-4b0a-8b4e-f7f54e1a4f91"/>
+    <ds:schemaRef ds:uri="http://purl.org/dc/elements/1.1/"/>
+    <ds:schemaRef ds:uri="http://purl.org/dc/terms/"/>
+    <ds:schemaRef ds:uri="http://schemas.microsoft.com/internal/obd"/>
+    <ds:schemaRef ds:uri="http://schemas.microsoft.com/office/2006/documentManagement/types"/>
+    <ds:schemaRef ds:uri="http://schemas.microsoft.com/office/2006/metadata/contentType"/>
+    <ds:schemaRef ds:uri="http://schemas.microsoft.com/office/2006/metadata/properties"/>
+    <ds:schemaRef ds:uri="http://schemas.microsoft.com/office/2006/metadata/properties/metaAttributes"/>
+    <ds:schemaRef ds:uri="http://schemas.microsoft.com/office/infopath/2007/PartnerControls"/>
+    <ds:schemaRef ds:uri="http://schemas.openxmlformats.org/package/2006/metadata/core-properties"/>
+    <ds:schemaRef ds:uri="http://www.w3.org/2001/XMLSchema"/>
+  </ds:schemaRefs>
+</ds:datastoreItem>
+</file>
+
+<file path=customXml/itemProps2.xml><?xml version="1.0" encoding="utf-8"?>
 <ds:datastoreItem xmlns:ds="http://schemas.openxmlformats.org/officeDocument/2006/customXml" ds:itemID="{53245396-8F78-405F-A56C-0606C5543DD9}">
   <ds:schemaRefs>
     <ds:schemaRef ds:uri="7c66931a-0d7a-4b0a-8b4e-f7f54e1a4f91"/>
@@ -22571,28 +22586,10 @@
 </ds:datastoreItem>
 </file>
 
-<file path=customXml/itemProps2.xml><?xml version="1.0" encoding="utf-8"?>
+<file path=customXml/itemProps3.xml><?xml version="1.0" encoding="utf-8"?>
 <ds:datastoreItem xmlns:ds="http://schemas.openxmlformats.org/officeDocument/2006/customXml" ds:itemID="{99231FC4-32A8-47DF-9C31-5C866AFD88C9}">
   <ds:schemaRefs>
     <ds:schemaRef ds:uri="http://schemas.microsoft.com/sharepoint/v3/contenttype/forms"/>
   </ds:schemaRefs>
 </ds:datastoreItem>
-</file>
-
-<file path=customXml/itemProps3.xml><?xml version="1.0" encoding="utf-8"?>
-<ds:datastoreItem xmlns:ds="http://schemas.openxmlformats.org/officeDocument/2006/customXml" ds:itemID="{11EBF31D-B999-4C4A-8C09-C7BF2A439447}">
-  <ds:schemaRefs>
-    <ds:schemaRef ds:uri="7c66931a-0d7a-4b0a-8b4e-f7f54e1a4f91"/>
-    <ds:schemaRef ds:uri="http://purl.org/dc/elements/1.1/"/>
-    <ds:schemaRef ds:uri="http://purl.org/dc/terms/"/>
-    <ds:schemaRef ds:uri="http://schemas.microsoft.com/internal/obd"/>
-    <ds:schemaRef ds:uri="http://schemas.microsoft.com/office/2006/documentManagement/types"/>
-    <ds:schemaRef ds:uri="http://schemas.microsoft.com/office/2006/metadata/contentType"/>
-    <ds:schemaRef ds:uri="http://schemas.microsoft.com/office/2006/metadata/properties"/>
-    <ds:schemaRef ds:uri="http://schemas.microsoft.com/office/2006/metadata/properties/metaAttributes"/>
-    <ds:schemaRef ds:uri="http://schemas.microsoft.com/office/infopath/2007/PartnerControls"/>
-    <ds:schemaRef ds:uri="http://schemas.openxmlformats.org/package/2006/metadata/core-properties"/>
-    <ds:schemaRef ds:uri="http://www.w3.org/2001/XMLSchema"/>
-  </ds:schemaRefs>
-</ds:datastoreItem>
 </file>